--- a/Daily Agendas/Day18.1_SummativePreWork.pptx
+++ b/Daily Agendas/Day18.1_SummativePreWork.pptx
@@ -6,6 +6,7 @@
   </p:sldMasterIdLst>
   <p:sldIdLst>
     <p:sldId id="257" r:id="rId2"/>
+    <p:sldId id="258" r:id="rId3"/>
   </p:sldIdLst>
   <p:sldSz cx="9144000" cy="6858000" type="screen4x3"/>
   <p:notesSz cx="7023100" cy="9309100"/>
@@ -106,7 +107,7 @@
   </p:defaultTextStyle>
   <p:extLst>
     <p:ext uri="{EFAFB233-063F-42B5-8137-9DF3F51BA10A}">
-      <p15:sldGuideLst xmlns:p15="http://schemas.microsoft.com/office/powerpoint/2012/main" xmlns="">
+      <p15:sldGuideLst xmlns:p15="http://schemas.microsoft.com/office/powerpoint/2012/main">
         <p15:guide id="1" orient="horz" pos="2160">
           <p15:clr>
             <a:srgbClr val="A4A3A4"/>
@@ -303,7 +304,7 @@
             <a:fld id="{1D8BD707-D9CF-40AE-B4C6-C98DA3205C09}" type="datetimeFigureOut">
               <a:rPr lang="en-US" smtClean="0"/>
               <a:pPr/>
-              <a:t>1/13/2019</a:t>
+              <a:t>1/14/2019</a:t>
             </a:fld>
             <a:endParaRPr lang="en-US"/>
           </a:p>
@@ -468,7 +469,7 @@
             <a:fld id="{1D8BD707-D9CF-40AE-B4C6-C98DA3205C09}" type="datetimeFigureOut">
               <a:rPr lang="en-US" smtClean="0"/>
               <a:pPr/>
-              <a:t>1/13/2019</a:t>
+              <a:t>1/14/2019</a:t>
             </a:fld>
             <a:endParaRPr lang="en-US"/>
           </a:p>
@@ -643,7 +644,7 @@
             <a:fld id="{1D8BD707-D9CF-40AE-B4C6-C98DA3205C09}" type="datetimeFigureOut">
               <a:rPr lang="en-US" smtClean="0"/>
               <a:pPr/>
-              <a:t>1/13/2019</a:t>
+              <a:t>1/14/2019</a:t>
             </a:fld>
             <a:endParaRPr lang="en-US"/>
           </a:p>
@@ -808,7 +809,7 @@
             <a:fld id="{1D8BD707-D9CF-40AE-B4C6-C98DA3205C09}" type="datetimeFigureOut">
               <a:rPr lang="en-US" smtClean="0"/>
               <a:pPr/>
-              <a:t>1/13/2019</a:t>
+              <a:t>1/14/2019</a:t>
             </a:fld>
             <a:endParaRPr lang="en-US"/>
           </a:p>
@@ -1050,7 +1051,7 @@
             <a:fld id="{1D8BD707-D9CF-40AE-B4C6-C98DA3205C09}" type="datetimeFigureOut">
               <a:rPr lang="en-US" smtClean="0"/>
               <a:pPr/>
-              <a:t>1/13/2019</a:t>
+              <a:t>1/14/2019</a:t>
             </a:fld>
             <a:endParaRPr lang="en-US"/>
           </a:p>
@@ -1332,7 +1333,7 @@
             <a:fld id="{1D8BD707-D9CF-40AE-B4C6-C98DA3205C09}" type="datetimeFigureOut">
               <a:rPr lang="en-US" smtClean="0"/>
               <a:pPr/>
-              <a:t>1/13/2019</a:t>
+              <a:t>1/14/2019</a:t>
             </a:fld>
             <a:endParaRPr lang="en-US"/>
           </a:p>
@@ -1748,7 +1749,7 @@
             <a:fld id="{1D8BD707-D9CF-40AE-B4C6-C98DA3205C09}" type="datetimeFigureOut">
               <a:rPr lang="en-US" smtClean="0"/>
               <a:pPr/>
-              <a:t>1/13/2019</a:t>
+              <a:t>1/14/2019</a:t>
             </a:fld>
             <a:endParaRPr lang="en-US"/>
           </a:p>
@@ -1862,7 +1863,7 @@
             <a:fld id="{1D8BD707-D9CF-40AE-B4C6-C98DA3205C09}" type="datetimeFigureOut">
               <a:rPr lang="en-US" smtClean="0"/>
               <a:pPr/>
-              <a:t>1/13/2019</a:t>
+              <a:t>1/14/2019</a:t>
             </a:fld>
             <a:endParaRPr lang="en-US"/>
           </a:p>
@@ -1954,7 +1955,7 @@
             <a:fld id="{1D8BD707-D9CF-40AE-B4C6-C98DA3205C09}" type="datetimeFigureOut">
               <a:rPr lang="en-US" smtClean="0"/>
               <a:pPr/>
-              <a:t>1/13/2019</a:t>
+              <a:t>1/14/2019</a:t>
             </a:fld>
             <a:endParaRPr lang="en-US"/>
           </a:p>
@@ -2226,7 +2227,7 @@
             <a:fld id="{1D8BD707-D9CF-40AE-B4C6-C98DA3205C09}" type="datetimeFigureOut">
               <a:rPr lang="en-US" smtClean="0"/>
               <a:pPr/>
-              <a:t>1/13/2019</a:t>
+              <a:t>1/14/2019</a:t>
             </a:fld>
             <a:endParaRPr lang="en-US"/>
           </a:p>
@@ -2475,7 +2476,7 @@
             <a:fld id="{1D8BD707-D9CF-40AE-B4C6-C98DA3205C09}" type="datetimeFigureOut">
               <a:rPr lang="en-US" smtClean="0"/>
               <a:pPr/>
-              <a:t>1/13/2019</a:t>
+              <a:t>1/14/2019</a:t>
             </a:fld>
             <a:endParaRPr lang="en-US"/>
           </a:p>
@@ -2683,7 +2684,7 @@
             <a:fld id="{1D8BD707-D9CF-40AE-B4C6-C98DA3205C09}" type="datetimeFigureOut">
               <a:rPr lang="en-US" smtClean="0"/>
               <a:pPr/>
-              <a:t>1/13/2019</a:t>
+              <a:t>1/14/2019</a:t>
             </a:fld>
             <a:endParaRPr lang="en-US"/>
           </a:p>
@@ -3073,15 +3074,7 @@
           <a:p>
             <a:r>
               <a:rPr lang="en-US" sz="3600" dirty="0" smtClean="0"/>
-              <a:t>Summative Pre-Work </a:t>
-            </a:r>
-            <a:r>
-              <a:rPr lang="en-US" sz="3600" dirty="0" smtClean="0"/>
-              <a:t>– Jan </a:t>
-            </a:r>
-            <a:r>
-              <a:rPr lang="en-US" sz="3600" dirty="0" smtClean="0"/>
-              <a:t>14</a:t>
+              <a:t>Summative Pre-Work – Jan 14</a:t>
             </a:r>
             <a:endParaRPr lang="en-US" sz="2800" dirty="0"/>
           </a:p>
@@ -3116,7 +3109,6 @@
               <a:rPr lang="en-CA" dirty="0" smtClean="0"/>
               <a:t>Summative Pre-Work</a:t>
             </a:r>
-            <a:endParaRPr lang="en-CA" dirty="0" smtClean="0"/>
           </a:p>
           <a:p>
             <a:pPr lvl="2"/>
@@ -3132,7 +3124,6 @@
               <a:rPr lang="en-CA" dirty="0" smtClean="0"/>
               <a:t>of the programming options</a:t>
             </a:r>
-            <a:endParaRPr lang="en-CA" dirty="0" smtClean="0"/>
           </a:p>
           <a:p>
             <a:pPr lvl="2"/>
@@ -3140,7 +3131,6 @@
               <a:rPr lang="en-CA" dirty="0" smtClean="0"/>
               <a:t>Complete your program by Thursday</a:t>
             </a:r>
-            <a:endParaRPr lang="en-CA" dirty="0" smtClean="0"/>
           </a:p>
           <a:p>
             <a:pPr lvl="1"/>
@@ -3182,7 +3172,6 @@
               <a:rPr lang="en-CA" sz="2400" dirty="0" smtClean="0"/>
               <a:t>/ Organization</a:t>
             </a:r>
-            <a:endParaRPr lang="en-CA" sz="2400" dirty="0" smtClean="0"/>
           </a:p>
           <a:p>
             <a:pPr lvl="1"/>
@@ -3202,6 +3191,157 @@
         </p:txBody>
       </p:sp>
     </p:spTree>
+  </p:cSld>
+  <p:clrMapOvr>
+    <a:masterClrMapping/>
+  </p:clrMapOvr>
+  <p:timing>
+    <p:tnLst>
+      <p:par>
+        <p:cTn id="1" dur="indefinite" restart="never" nodeType="tmRoot"/>
+      </p:par>
+    </p:tnLst>
+  </p:timing>
+</p:sld>
+</file>
+
+<file path=ppt/slides/slide2.xml><?xml version="1.0" encoding="utf-8"?>
+<p:sld xmlns:a="http://schemas.openxmlformats.org/drawingml/2006/main" xmlns:r="http://schemas.openxmlformats.org/officeDocument/2006/relationships" xmlns:p="http://schemas.openxmlformats.org/presentationml/2006/main">
+  <p:cSld>
+    <p:spTree>
+      <p:nvGrpSpPr>
+        <p:cNvPr id="1" name=""/>
+        <p:cNvGrpSpPr/>
+        <p:nvPr/>
+      </p:nvGrpSpPr>
+      <p:grpSpPr>
+        <a:xfrm>
+          <a:off x="0" y="0"/>
+          <a:ext cx="0" cy="0"/>
+          <a:chOff x="0" y="0"/>
+          <a:chExt cx="0" cy="0"/>
+        </a:xfrm>
+      </p:grpSpPr>
+      <p:sp>
+        <p:nvSpPr>
+          <p:cNvPr id="2" name="Title 1"/>
+          <p:cNvSpPr>
+            <a:spLocks noGrp="1"/>
+          </p:cNvSpPr>
+          <p:nvPr>
+            <p:ph type="title"/>
+          </p:nvPr>
+        </p:nvSpPr>
+        <p:spPr/>
+        <p:txBody>
+          <a:bodyPr/>
+          <a:lstStyle/>
+          <a:p>
+            <a:r>
+              <a:rPr lang="en-CA" dirty="0" smtClean="0"/>
+              <a:t>Random Number Generator</a:t>
+            </a:r>
+            <a:endParaRPr lang="en-US" dirty="0"/>
+          </a:p>
+        </p:txBody>
+      </p:sp>
+      <p:sp>
+        <p:nvSpPr>
+          <p:cNvPr id="3" name="Content Placeholder 2"/>
+          <p:cNvSpPr>
+            <a:spLocks noGrp="1"/>
+          </p:cNvSpPr>
+          <p:nvPr>
+            <p:ph idx="1"/>
+          </p:nvPr>
+        </p:nvSpPr>
+        <p:spPr/>
+        <p:txBody>
+          <a:bodyPr/>
+          <a:lstStyle/>
+          <a:p>
+            <a:pPr marL="0" indent="0">
+              <a:buNone/>
+            </a:pPr>
+            <a:r>
+              <a:rPr lang="en-US" dirty="0"/>
+              <a:t>from random import *</a:t>
+            </a:r>
+          </a:p>
+          <a:p>
+            <a:pPr marL="0" indent="0">
+              <a:buNone/>
+            </a:pPr>
+            <a:r>
+              <a:rPr lang="en-US" dirty="0" err="1"/>
+              <a:t>randomNumber</a:t>
+            </a:r>
+            <a:r>
+              <a:rPr lang="en-US" dirty="0"/>
+              <a:t> = </a:t>
+            </a:r>
+            <a:r>
+              <a:rPr lang="en-US" dirty="0" err="1"/>
+              <a:t>randint</a:t>
+            </a:r>
+            <a:r>
+              <a:rPr lang="en-US" dirty="0"/>
+              <a:t>(0,2</a:t>
+            </a:r>
+            <a:r>
+              <a:rPr lang="en-US" dirty="0" smtClean="0"/>
+              <a:t>)</a:t>
+            </a:r>
+          </a:p>
+          <a:p>
+            <a:pPr marL="0" indent="0">
+              <a:buNone/>
+            </a:pPr>
+            <a:r>
+              <a:rPr lang="en-CA" dirty="0" smtClean="0"/>
+              <a:t>Print(</a:t>
+            </a:r>
+            <a:r>
+              <a:rPr lang="en-CA" dirty="0" err="1" smtClean="0"/>
+              <a:t>randomNumber</a:t>
+            </a:r>
+            <a:r>
+              <a:rPr lang="en-CA" dirty="0" smtClean="0"/>
+              <a:t>)</a:t>
+            </a:r>
+            <a:endParaRPr lang="en-US" dirty="0"/>
+          </a:p>
+          <a:p>
+            <a:pPr marL="0" indent="0">
+              <a:buNone/>
+            </a:pPr>
+            <a:endParaRPr lang="en-CA" dirty="0" smtClean="0"/>
+          </a:p>
+          <a:p>
+            <a:pPr marL="0" indent="0">
+              <a:buNone/>
+            </a:pPr>
+            <a:r>
+              <a:rPr lang="en-CA" dirty="0" smtClean="0"/>
+              <a:t># This will generate a random number </a:t>
+            </a:r>
+            <a:br>
+              <a:rPr lang="en-CA" dirty="0" smtClean="0"/>
+            </a:br>
+            <a:r>
+              <a:rPr lang="en-CA" dirty="0" smtClean="0"/>
+              <a:t># Print will display a value of 0, 1, or 2</a:t>
+            </a:r>
+            <a:endParaRPr lang="en-US" dirty="0"/>
+          </a:p>
+        </p:txBody>
+      </p:sp>
+    </p:spTree>
+    <p:extLst>
+      <p:ext uri="{BB962C8B-B14F-4D97-AF65-F5344CB8AC3E}">
+        <p14:creationId xmlns:p14="http://schemas.microsoft.com/office/powerpoint/2010/main" val="1245039485"/>
+      </p:ext>
+    </p:extLst>
   </p:cSld>
   <p:clrMapOvr>
     <a:masterClrMapping/>
